--- a/docs/TStream_presentation.pptx
+++ b/docs/TStream_presentation.pptx
@@ -3298,7 +3298,7 @@
           <a:p>
             <a:fld id="{1274C648-3956-3440-B661-357F8557CBF6}" type="datetimeFigureOut">
               <a:rPr lang="en-US" smtClean="0"/>
-              <a:t>4/6/20</a:t>
+              <a:t>4/25/20</a:t>
             </a:fld>
             <a:endParaRPr lang="en-US"/>
           </a:p>
@@ -11992,8 +11992,8 @@
           </a:p>
         </p:txBody>
       </p:sp>
-      <mc:AlternateContent xmlns:mc="http://schemas.openxmlformats.org/markup-compatibility/2006">
-        <mc:Choice xmlns:a14="http://schemas.microsoft.com/office/drawing/2010/main" Requires="a14">
+      <mc:AlternateContent xmlns:mc="http://schemas.openxmlformats.org/markup-compatibility/2006" xmlns:a14="http://schemas.microsoft.com/office/drawing/2010/main">
+        <mc:Choice Requires="a14">
           <p:sp>
             <p:nvSpPr>
               <p:cNvPr id="7" name="Rectangle 6">
@@ -12447,7 +12447,7 @@
             </p:txBody>
           </p:sp>
         </mc:Choice>
-        <mc:Fallback>
+        <mc:Fallback xmlns="">
           <p:sp>
             <p:nvSpPr>
               <p:cNvPr id="7" name="Rectangle 6">
@@ -19368,8 +19368,8 @@
                     </a:p>
                   </p:txBody>
                 </p:sp>
-                <mc:AlternateContent xmlns:mc="http://schemas.openxmlformats.org/markup-compatibility/2006">
-                  <mc:Choice xmlns:a14="http://schemas.microsoft.com/office/drawing/2010/main" Requires="a14">
+                <mc:AlternateContent xmlns:mc="http://schemas.openxmlformats.org/markup-compatibility/2006" xmlns:a14="http://schemas.microsoft.com/office/drawing/2010/main">
+                  <mc:Choice Requires="a14">
                     <p:sp>
                       <p:nvSpPr>
                         <p:cNvPr id="66" name="Rectangle 65">
@@ -19424,7 +19424,7 @@
                       </p:txBody>
                     </p:sp>
                   </mc:Choice>
-                  <mc:Fallback>
+                  <mc:Fallback xmlns="">
                     <p:sp>
                       <p:nvSpPr>
                         <p:cNvPr id="66" name="Rectangle 65">

--- a/docs/TStream_presentation.pptx
+++ b/docs/TStream_presentation.pptx
@@ -3298,7 +3298,7 @@
           <a:p>
             <a:fld id="{1274C648-3956-3440-B661-357F8557CBF6}" type="datetimeFigureOut">
               <a:rPr lang="en-US" smtClean="0"/>
-              <a:t>4/25/20</a:t>
+              <a:t>5/7/20</a:t>
             </a:fld>
             <a:endParaRPr lang="en-US"/>
           </a:p>
@@ -4091,12 +4091,8 @@
               <a:t>We build a new stream processing system called </a:t>
             </a:r>
             <a:r>
-              <a:rPr lang="en-US" sz="1200" dirty="0" err="1"/>
-              <a:t>Tstream</a:t>
-            </a:r>
-            <a:r>
               <a:rPr lang="en-US" sz="1200" dirty="0"/>
-              <a:t> to handle concurrent stateful stream processing on modern multicores.</a:t>
+              <a:t>TStream to handle concurrent stateful stream processing on modern multicores.</a:t>
             </a:r>
           </a:p>
           <a:p>

--- a/docs/TStream_presentation.pptx
+++ b/docs/TStream_presentation.pptx
@@ -3298,7 +3298,7 @@
           <a:p>
             <a:fld id="{1274C648-3956-3440-B661-357F8557CBF6}" type="datetimeFigureOut">
               <a:rPr lang="en-US" smtClean="0"/>
-              <a:t>5/7/20</a:t>
+              <a:t>5/19/20</a:t>
             </a:fld>
             <a:endParaRPr lang="en-US"/>
           </a:p>

--- a/docs/TStream_presentation.pptx
+++ b/docs/TStream_presentation.pptx
@@ -3298,7 +3298,7 @@
           <a:p>
             <a:fld id="{1274C648-3956-3440-B661-357F8557CBF6}" type="datetimeFigureOut">
               <a:rPr lang="en-US" smtClean="0"/>
-              <a:t>5/19/20</a:t>
+              <a:t>6/18/20</a:t>
             </a:fld>
             <a:endParaRPr lang="en-US"/>
           </a:p>
@@ -13042,7 +13042,7 @@
             </a:pPr>
             <a:r>
               <a:rPr lang="en-US" sz="2800" b="0" dirty="0"/>
-              <a:t>Sever lock contention</a:t>
+              <a:t>Severe lock contention</a:t>
             </a:r>
           </a:p>
         </p:txBody>

--- a/docs/TStream_presentation.pptx
+++ b/docs/TStream_presentation.pptx
@@ -3298,7 +3298,7 @@
           <a:p>
             <a:fld id="{1274C648-3956-3440-B661-357F8557CBF6}" type="datetimeFigureOut">
               <a:rPr lang="en-US" smtClean="0"/>
-              <a:t>6/18/20</a:t>
+              <a:t>6/28/20</a:t>
             </a:fld>
             <a:endParaRPr lang="en-US"/>
           </a:p>
